--- a/SERV presentation.pptx
+++ b/SERV presentation.pptx
@@ -5429,12 +5429,8 @@
               <a:buChar char="•"/>
             </a:pPr>
             <a:r>
-              <a:rPr lang="en-US" sz="1600" b="1"/>
-              <a:t>Alek </a:t>
-            </a:r>
-            <a:r>
               <a:rPr lang="en-US" sz="1600" b="1" dirty="0"/>
-              <a:t>Thomas</a:t>
+              <a:t>Kayleigh Thomas</a:t>
             </a:r>
           </a:p>
           <a:p>
